--- a/partnerweb.pptx
+++ b/partnerweb.pptx
@@ -264,7 +264,7 @@
           <a:p>
             <a:fld id="{16D0F77D-2E47-4D2D-A704-75827A6B8852}" type="datetimeFigureOut">
               <a:rPr lang="en-US" smtClean="0"/>
-              <a:t>2/29/2020</a:t>
+              <a:t>3/1/2020</a:t>
             </a:fld>
             <a:endParaRPr lang="en-US"/>
           </a:p>
@@ -462,7 +462,7 @@
           <a:p>
             <a:fld id="{16D0F77D-2E47-4D2D-A704-75827A6B8852}" type="datetimeFigureOut">
               <a:rPr lang="en-US" smtClean="0"/>
-              <a:t>2/29/2020</a:t>
+              <a:t>3/1/2020</a:t>
             </a:fld>
             <a:endParaRPr lang="en-US"/>
           </a:p>
@@ -670,7 +670,7 @@
           <a:p>
             <a:fld id="{16D0F77D-2E47-4D2D-A704-75827A6B8852}" type="datetimeFigureOut">
               <a:rPr lang="en-US" smtClean="0"/>
-              <a:t>2/29/2020</a:t>
+              <a:t>3/1/2020</a:t>
             </a:fld>
             <a:endParaRPr lang="en-US"/>
           </a:p>
@@ -868,7 +868,7 @@
           <a:p>
             <a:fld id="{16D0F77D-2E47-4D2D-A704-75827A6B8852}" type="datetimeFigureOut">
               <a:rPr lang="en-US" smtClean="0"/>
-              <a:t>2/29/2020</a:t>
+              <a:t>3/1/2020</a:t>
             </a:fld>
             <a:endParaRPr lang="en-US"/>
           </a:p>
@@ -1143,7 +1143,7 @@
           <a:p>
             <a:fld id="{16D0F77D-2E47-4D2D-A704-75827A6B8852}" type="datetimeFigureOut">
               <a:rPr lang="en-US" smtClean="0"/>
-              <a:t>2/29/2020</a:t>
+              <a:t>3/1/2020</a:t>
             </a:fld>
             <a:endParaRPr lang="en-US"/>
           </a:p>
@@ -1408,7 +1408,7 @@
           <a:p>
             <a:fld id="{16D0F77D-2E47-4D2D-A704-75827A6B8852}" type="datetimeFigureOut">
               <a:rPr lang="en-US" smtClean="0"/>
-              <a:t>2/29/2020</a:t>
+              <a:t>3/1/2020</a:t>
             </a:fld>
             <a:endParaRPr lang="en-US"/>
           </a:p>
@@ -1820,7 +1820,7 @@
           <a:p>
             <a:fld id="{16D0F77D-2E47-4D2D-A704-75827A6B8852}" type="datetimeFigureOut">
               <a:rPr lang="en-US" smtClean="0"/>
-              <a:t>2/29/2020</a:t>
+              <a:t>3/1/2020</a:t>
             </a:fld>
             <a:endParaRPr lang="en-US"/>
           </a:p>
@@ -1961,7 +1961,7 @@
           <a:p>
             <a:fld id="{16D0F77D-2E47-4D2D-A704-75827A6B8852}" type="datetimeFigureOut">
               <a:rPr lang="en-US" smtClean="0"/>
-              <a:t>2/29/2020</a:t>
+              <a:t>3/1/2020</a:t>
             </a:fld>
             <a:endParaRPr lang="en-US"/>
           </a:p>
@@ -2074,7 +2074,7 @@
           <a:p>
             <a:fld id="{16D0F77D-2E47-4D2D-A704-75827A6B8852}" type="datetimeFigureOut">
               <a:rPr lang="en-US" smtClean="0"/>
-              <a:t>2/29/2020</a:t>
+              <a:t>3/1/2020</a:t>
             </a:fld>
             <a:endParaRPr lang="en-US"/>
           </a:p>
@@ -2385,7 +2385,7 @@
           <a:p>
             <a:fld id="{16D0F77D-2E47-4D2D-A704-75827A6B8852}" type="datetimeFigureOut">
               <a:rPr lang="en-US" smtClean="0"/>
-              <a:t>2/29/2020</a:t>
+              <a:t>3/1/2020</a:t>
             </a:fld>
             <a:endParaRPr lang="en-US"/>
           </a:p>
@@ -2673,7 +2673,7 @@
           <a:p>
             <a:fld id="{16D0F77D-2E47-4D2D-A704-75827A6B8852}" type="datetimeFigureOut">
               <a:rPr lang="en-US" smtClean="0"/>
-              <a:t>2/29/2020</a:t>
+              <a:t>3/1/2020</a:t>
             </a:fld>
             <a:endParaRPr lang="en-US"/>
           </a:p>
@@ -2914,7 +2914,7 @@
           <a:p>
             <a:fld id="{16D0F77D-2E47-4D2D-A704-75827A6B8852}" type="datetimeFigureOut">
               <a:rPr lang="en-US" smtClean="0"/>
-              <a:t>2/29/2020</a:t>
+              <a:t>3/1/2020</a:t>
             </a:fld>
             <a:endParaRPr lang="en-US"/>
           </a:p>
@@ -3746,16 +3746,60 @@
           <a:lstStyle/>
           <a:p>
             <a:r>
-              <a:rPr lang="en-US" sz="1100"/>
+              <a:rPr lang="en-US" sz="1100" dirty="0"/>
               <a:t>H</a:t>
             </a:r>
             <a:r>
-              <a:rPr lang="vi-VN" sz="1100"/>
+              <a:rPr lang="vi-VN" sz="1100" dirty="0"/>
               <a:t>ư</a:t>
             </a:r>
             <a:r>
-              <a:rPr lang="en-US" sz="1100"/>
-              <a:t>ớng dẫn đăng ký Partners Vip tại PAT:</a:t>
+              <a:rPr lang="en-US" sz="1100" dirty="0" err="1"/>
+              <a:t>ớng</a:t>
+            </a:r>
+            <a:r>
+              <a:rPr lang="en-US" sz="1100" dirty="0"/>
+              <a:t> </a:t>
+            </a:r>
+            <a:r>
+              <a:rPr lang="en-US" sz="1100" dirty="0" err="1"/>
+              <a:t>dẫn</a:t>
+            </a:r>
+            <a:r>
+              <a:rPr lang="en-US" sz="1100" dirty="0"/>
+              <a:t> </a:t>
+            </a:r>
+            <a:r>
+              <a:rPr lang="en-US" sz="1100" dirty="0" err="1"/>
+              <a:t>đăng</a:t>
+            </a:r>
+            <a:r>
+              <a:rPr lang="en-US" sz="1100" dirty="0"/>
+              <a:t> </a:t>
+            </a:r>
+            <a:r>
+              <a:rPr lang="en-US" sz="1100" dirty="0" err="1"/>
+              <a:t>ký</a:t>
+            </a:r>
+            <a:r>
+              <a:rPr lang="en-US" sz="1100" dirty="0"/>
+              <a:t> Partners </a:t>
+            </a:r>
+            <a:r>
+              <a:rPr lang="en-US" sz="1100" dirty="0" err="1"/>
+              <a:t>Vip</a:t>
+            </a:r>
+            <a:r>
+              <a:rPr lang="en-US" sz="1100" dirty="0"/>
+              <a:t> </a:t>
+            </a:r>
+            <a:r>
+              <a:rPr lang="en-US" sz="1100" dirty="0" err="1"/>
+              <a:t>tại</a:t>
+            </a:r>
+            <a:r>
+              <a:rPr lang="en-US" sz="1100" dirty="0"/>
+              <a:t> PAT:</a:t>
             </a:r>
           </a:p>
           <a:p>
@@ -3763,202 +3807,2000 @@
               <a:buAutoNum type="arabicPeriod"/>
             </a:pPr>
             <a:r>
-              <a:rPr lang="en-US" sz="1100"/>
-              <a:t>Đăng ký tài khoản Partners eToro theo link sau: (nếu đã có tài khoản thì bỏ qua b</a:t>
-            </a:r>
-            <a:r>
-              <a:rPr lang="vi-VN" sz="1100"/>
+              <a:rPr lang="en-US" sz="1100" dirty="0" err="1"/>
+              <a:t>Đăng</a:t>
+            </a:r>
+            <a:r>
+              <a:rPr lang="en-US" sz="1100" dirty="0"/>
+              <a:t> </a:t>
+            </a:r>
+            <a:r>
+              <a:rPr lang="en-US" sz="1100" dirty="0" err="1"/>
+              <a:t>ký</a:t>
+            </a:r>
+            <a:r>
+              <a:rPr lang="en-US" sz="1100" dirty="0"/>
+              <a:t> </a:t>
+            </a:r>
+            <a:r>
+              <a:rPr lang="en-US" sz="1100" dirty="0" err="1"/>
+              <a:t>tài</a:t>
+            </a:r>
+            <a:r>
+              <a:rPr lang="en-US" sz="1100" dirty="0"/>
+              <a:t> </a:t>
+            </a:r>
+            <a:r>
+              <a:rPr lang="en-US" sz="1100" dirty="0" err="1"/>
+              <a:t>khoản</a:t>
+            </a:r>
+            <a:r>
+              <a:rPr lang="en-US" sz="1100" dirty="0"/>
+              <a:t> Partners </a:t>
+            </a:r>
+            <a:r>
+              <a:rPr lang="en-US" sz="1100" dirty="0" err="1"/>
+              <a:t>eToro</a:t>
+            </a:r>
+            <a:r>
+              <a:rPr lang="en-US" sz="1100" dirty="0"/>
+              <a:t> </a:t>
+            </a:r>
+            <a:r>
+              <a:rPr lang="en-US" sz="1100" dirty="0" err="1"/>
+              <a:t>theo</a:t>
+            </a:r>
+            <a:r>
+              <a:rPr lang="en-US" sz="1100" dirty="0"/>
+              <a:t> link </a:t>
+            </a:r>
+            <a:r>
+              <a:rPr lang="en-US" sz="1100" dirty="0" err="1"/>
+              <a:t>sau</a:t>
+            </a:r>
+            <a:r>
+              <a:rPr lang="en-US" sz="1100" dirty="0"/>
+              <a:t>: (</a:t>
+            </a:r>
+            <a:r>
+              <a:rPr lang="en-US" sz="1100" dirty="0" err="1"/>
+              <a:t>nếu</a:t>
+            </a:r>
+            <a:r>
+              <a:rPr lang="en-US" sz="1100" dirty="0"/>
+              <a:t> </a:t>
+            </a:r>
+            <a:r>
+              <a:rPr lang="en-US" sz="1100" dirty="0" err="1"/>
+              <a:t>đã</a:t>
+            </a:r>
+            <a:r>
+              <a:rPr lang="en-US" sz="1100" dirty="0"/>
+              <a:t> </a:t>
+            </a:r>
+            <a:r>
+              <a:rPr lang="en-US" sz="1100" dirty="0" err="1"/>
+              <a:t>có</a:t>
+            </a:r>
+            <a:r>
+              <a:rPr lang="en-US" sz="1100" dirty="0"/>
+              <a:t> </a:t>
+            </a:r>
+            <a:r>
+              <a:rPr lang="en-US" sz="1100" dirty="0" err="1"/>
+              <a:t>tài</a:t>
+            </a:r>
+            <a:r>
+              <a:rPr lang="en-US" sz="1100" dirty="0"/>
+              <a:t> </a:t>
+            </a:r>
+            <a:r>
+              <a:rPr lang="en-US" sz="1100" dirty="0" err="1"/>
+              <a:t>khoản</a:t>
+            </a:r>
+            <a:r>
+              <a:rPr lang="en-US" sz="1100" dirty="0"/>
+              <a:t> </a:t>
+            </a:r>
+            <a:r>
+              <a:rPr lang="en-US" sz="1100" dirty="0" err="1"/>
+              <a:t>thì</a:t>
+            </a:r>
+            <a:r>
+              <a:rPr lang="en-US" sz="1100" dirty="0"/>
+              <a:t> </a:t>
+            </a:r>
+            <a:r>
+              <a:rPr lang="en-US" sz="1100" dirty="0" err="1"/>
+              <a:t>bỏ</a:t>
+            </a:r>
+            <a:r>
+              <a:rPr lang="en-US" sz="1100" dirty="0"/>
+              <a:t> qua b</a:t>
+            </a:r>
+            <a:r>
+              <a:rPr lang="vi-VN" sz="1100" dirty="0"/>
               <a:t>ư</a:t>
             </a:r>
             <a:r>
-              <a:rPr lang="en-US" sz="1100"/>
-              <a:t>ớc này)</a:t>
-            </a:r>
-          </a:p>
-          <a:p>
-            <a:r>
-              <a:rPr lang="en-US" sz="1100">
+              <a:rPr lang="en-US" sz="1100" dirty="0" err="1"/>
+              <a:t>ớc</a:t>
+            </a:r>
+            <a:r>
+              <a:rPr lang="en-US" sz="1100" dirty="0"/>
+              <a:t> </a:t>
+            </a:r>
+            <a:r>
+              <a:rPr lang="en-US" sz="1100" dirty="0" err="1"/>
+              <a:t>này</a:t>
+            </a:r>
+            <a:r>
+              <a:rPr lang="en-US" sz="1100" dirty="0"/>
+              <a:t>)</a:t>
+            </a:r>
+          </a:p>
+          <a:p>
+            <a:r>
+              <a:rPr lang="en-US" sz="1100" dirty="0">
                 <a:hlinkClick r:id="rId2"/>
               </a:rPr>
               <a:t>http://www.etoro.com/TJoinT2_A83700.aspx</a:t>
             </a:r>
-            <a:endParaRPr lang="en-US" sz="1100"/>
-          </a:p>
-          <a:p>
-            <a:r>
-              <a:rPr lang="en-US" sz="1100"/>
+            <a:endParaRPr lang="en-US" sz="1100" dirty="0"/>
+          </a:p>
+          <a:p>
+            <a:r>
+              <a:rPr lang="en-US" sz="1100" dirty="0"/>
               <a:t>H</a:t>
             </a:r>
             <a:r>
-              <a:rPr lang="vi-VN" sz="1100"/>
+              <a:rPr lang="vi-VN" sz="1100" dirty="0"/>
               <a:t>ư</a:t>
             </a:r>
             <a:r>
-              <a:rPr lang="en-US" sz="1100"/>
-              <a:t>ớng dẫn xác minh tài khoản Partners:</a:t>
-            </a:r>
-          </a:p>
-          <a:p>
-            <a:r>
-              <a:rPr lang="en-US" sz="1100">
+              <a:rPr lang="en-US" sz="1100" dirty="0" err="1"/>
+              <a:t>ớng</a:t>
+            </a:r>
+            <a:r>
+              <a:rPr lang="en-US" sz="1100" dirty="0"/>
+              <a:t> </a:t>
+            </a:r>
+            <a:r>
+              <a:rPr lang="en-US" sz="1100" dirty="0" err="1"/>
+              <a:t>dẫn</a:t>
+            </a:r>
+            <a:r>
+              <a:rPr lang="en-US" sz="1100" dirty="0"/>
+              <a:t> </a:t>
+            </a:r>
+            <a:r>
+              <a:rPr lang="en-US" sz="1100" dirty="0" err="1"/>
+              <a:t>xác</a:t>
+            </a:r>
+            <a:r>
+              <a:rPr lang="en-US" sz="1100" dirty="0"/>
+              <a:t> </a:t>
+            </a:r>
+            <a:r>
+              <a:rPr lang="en-US" sz="1100" dirty="0" err="1"/>
+              <a:t>minh</a:t>
+            </a:r>
+            <a:r>
+              <a:rPr lang="en-US" sz="1100" dirty="0"/>
+              <a:t> </a:t>
+            </a:r>
+            <a:r>
+              <a:rPr lang="en-US" sz="1100" dirty="0" err="1"/>
+              <a:t>tài</a:t>
+            </a:r>
+            <a:r>
+              <a:rPr lang="en-US" sz="1100" dirty="0"/>
+              <a:t> </a:t>
+            </a:r>
+            <a:r>
+              <a:rPr lang="en-US" sz="1100" dirty="0" err="1"/>
+              <a:t>khoản</a:t>
+            </a:r>
+            <a:r>
+              <a:rPr lang="en-US" sz="1100" dirty="0"/>
+              <a:t> Partners:</a:t>
+            </a:r>
+          </a:p>
+          <a:p>
+            <a:r>
+              <a:rPr lang="en-US" sz="1100" dirty="0">
                 <a:hlinkClick r:id="rId3"/>
               </a:rPr>
               <a:t>https://drive.google.com/open?id=1K5uEe70lnCbA96GFZL-Hax6HbVhszjCE</a:t>
             </a:r>
-            <a:endParaRPr lang="en-US" sz="1100"/>
-          </a:p>
-          <a:p>
-            <a:endParaRPr lang="en-US" sz="1100"/>
-          </a:p>
-          <a:p>
-            <a:r>
-              <a:rPr lang="en-US" sz="1100"/>
-              <a:t>2. Đăng ký tài khoản giao dịch eToro theo link sau: (nếu đã có tài khoản, bắt buộc tạo tài khoản mới)</a:t>
-            </a:r>
-          </a:p>
-          <a:p>
-            <a:r>
-              <a:rPr lang="en-US" sz="1100">
+            <a:endParaRPr lang="en-US" sz="1100" dirty="0"/>
+          </a:p>
+          <a:p>
+            <a:endParaRPr lang="en-US" sz="1100" dirty="0"/>
+          </a:p>
+          <a:p>
+            <a:r>
+              <a:rPr lang="en-US" sz="1100" dirty="0"/>
+              <a:t>2. </a:t>
+            </a:r>
+            <a:r>
+              <a:rPr lang="en-US" sz="1100" dirty="0" err="1"/>
+              <a:t>Đăng</a:t>
+            </a:r>
+            <a:r>
+              <a:rPr lang="en-US" sz="1100" dirty="0"/>
+              <a:t> </a:t>
+            </a:r>
+            <a:r>
+              <a:rPr lang="en-US" sz="1100" dirty="0" err="1"/>
+              <a:t>ký</a:t>
+            </a:r>
+            <a:r>
+              <a:rPr lang="en-US" sz="1100" dirty="0"/>
+              <a:t> </a:t>
+            </a:r>
+            <a:r>
+              <a:rPr lang="en-US" sz="1100" dirty="0" err="1"/>
+              <a:t>tài</a:t>
+            </a:r>
+            <a:r>
+              <a:rPr lang="en-US" sz="1100" dirty="0"/>
+              <a:t> </a:t>
+            </a:r>
+            <a:r>
+              <a:rPr lang="en-US" sz="1100" dirty="0" err="1"/>
+              <a:t>khoản</a:t>
+            </a:r>
+            <a:r>
+              <a:rPr lang="en-US" sz="1100" dirty="0"/>
+              <a:t> </a:t>
+            </a:r>
+            <a:r>
+              <a:rPr lang="en-US" sz="1100" dirty="0" err="1"/>
+              <a:t>giao</a:t>
+            </a:r>
+            <a:r>
+              <a:rPr lang="en-US" sz="1100" dirty="0"/>
+              <a:t> </a:t>
+            </a:r>
+            <a:r>
+              <a:rPr lang="en-US" sz="1100" dirty="0" err="1"/>
+              <a:t>dịch</a:t>
+            </a:r>
+            <a:r>
+              <a:rPr lang="en-US" sz="1100" dirty="0"/>
+              <a:t> </a:t>
+            </a:r>
+            <a:r>
+              <a:rPr lang="en-US" sz="1100" dirty="0" err="1"/>
+              <a:t>eToro</a:t>
+            </a:r>
+            <a:r>
+              <a:rPr lang="en-US" sz="1100" dirty="0"/>
+              <a:t> </a:t>
+            </a:r>
+            <a:r>
+              <a:rPr lang="en-US" sz="1100" dirty="0" err="1"/>
+              <a:t>theo</a:t>
+            </a:r>
+            <a:r>
+              <a:rPr lang="en-US" sz="1100" dirty="0"/>
+              <a:t> link </a:t>
+            </a:r>
+            <a:r>
+              <a:rPr lang="en-US" sz="1100" dirty="0" err="1"/>
+              <a:t>sau</a:t>
+            </a:r>
+            <a:r>
+              <a:rPr lang="en-US" sz="1100" dirty="0"/>
+              <a:t>: (</a:t>
+            </a:r>
+            <a:r>
+              <a:rPr lang="en-US" sz="1100" dirty="0" err="1"/>
+              <a:t>nếu</a:t>
+            </a:r>
+            <a:r>
+              <a:rPr lang="en-US" sz="1100" dirty="0"/>
+              <a:t> </a:t>
+            </a:r>
+            <a:r>
+              <a:rPr lang="en-US" sz="1100" dirty="0" err="1"/>
+              <a:t>đã</a:t>
+            </a:r>
+            <a:r>
+              <a:rPr lang="en-US" sz="1100" dirty="0"/>
+              <a:t> </a:t>
+            </a:r>
+            <a:r>
+              <a:rPr lang="en-US" sz="1100" dirty="0" err="1"/>
+              <a:t>có</a:t>
+            </a:r>
+            <a:r>
+              <a:rPr lang="en-US" sz="1100" dirty="0"/>
+              <a:t> </a:t>
+            </a:r>
+            <a:r>
+              <a:rPr lang="en-US" sz="1100" dirty="0" err="1"/>
+              <a:t>tài</a:t>
+            </a:r>
+            <a:r>
+              <a:rPr lang="en-US" sz="1100" dirty="0"/>
+              <a:t> </a:t>
+            </a:r>
+            <a:r>
+              <a:rPr lang="en-US" sz="1100" dirty="0" err="1"/>
+              <a:t>khoản</a:t>
+            </a:r>
+            <a:r>
+              <a:rPr lang="en-US" sz="1100" dirty="0"/>
+              <a:t>, </a:t>
+            </a:r>
+            <a:r>
+              <a:rPr lang="en-US" sz="1100" dirty="0" err="1"/>
+              <a:t>bắt</a:t>
+            </a:r>
+            <a:r>
+              <a:rPr lang="en-US" sz="1100" dirty="0"/>
+              <a:t> </a:t>
+            </a:r>
+            <a:r>
+              <a:rPr lang="en-US" sz="1100" dirty="0" err="1"/>
+              <a:t>buộc</a:t>
+            </a:r>
+            <a:r>
+              <a:rPr lang="en-US" sz="1100" dirty="0"/>
+              <a:t> </a:t>
+            </a:r>
+            <a:r>
+              <a:rPr lang="en-US" sz="1100" dirty="0" err="1"/>
+              <a:t>tạo</a:t>
+            </a:r>
+            <a:r>
+              <a:rPr lang="en-US" sz="1100" dirty="0"/>
+              <a:t> </a:t>
+            </a:r>
+            <a:r>
+              <a:rPr lang="en-US" sz="1100" dirty="0" err="1"/>
+              <a:t>tài</a:t>
+            </a:r>
+            <a:r>
+              <a:rPr lang="en-US" sz="1100" dirty="0"/>
+              <a:t> </a:t>
+            </a:r>
+            <a:r>
+              <a:rPr lang="en-US" sz="1100" dirty="0" err="1"/>
+              <a:t>khoản</a:t>
+            </a:r>
+            <a:r>
+              <a:rPr lang="en-US" sz="1100" dirty="0"/>
+              <a:t> </a:t>
+            </a:r>
+            <a:r>
+              <a:rPr lang="en-US" sz="1100" dirty="0" err="1"/>
+              <a:t>mới</a:t>
+            </a:r>
+            <a:r>
+              <a:rPr lang="en-US" sz="1100" dirty="0"/>
+              <a:t>)</a:t>
+            </a:r>
+          </a:p>
+          <a:p>
+            <a:r>
+              <a:rPr lang="en-US" sz="1100" dirty="0">
                 <a:hlinkClick r:id="rId4"/>
               </a:rPr>
               <a:t>http://partners.etoro.com/A83700_TClick.aspx</a:t>
             </a:r>
-            <a:endParaRPr lang="en-US" sz="1100"/>
-          </a:p>
-          <a:p>
-            <a:r>
-              <a:rPr lang="en-US" sz="1100"/>
-              <a:t>Xác minh tài  khoản giao dịch theo h</a:t>
-            </a:r>
-            <a:r>
-              <a:rPr lang="vi-VN" sz="1100"/>
+            <a:endParaRPr lang="en-US" sz="1100" dirty="0"/>
+          </a:p>
+          <a:p>
+            <a:r>
+              <a:rPr lang="en-US" sz="1100" dirty="0" err="1"/>
+              <a:t>Xác</a:t>
+            </a:r>
+            <a:r>
+              <a:rPr lang="en-US" sz="1100" dirty="0"/>
+              <a:t> </a:t>
+            </a:r>
+            <a:r>
+              <a:rPr lang="en-US" sz="1100" dirty="0" err="1"/>
+              <a:t>minh</a:t>
+            </a:r>
+            <a:r>
+              <a:rPr lang="en-US" sz="1100" dirty="0"/>
+              <a:t> </a:t>
+            </a:r>
+            <a:r>
+              <a:rPr lang="en-US" sz="1100" dirty="0" err="1"/>
+              <a:t>tài</a:t>
+            </a:r>
+            <a:r>
+              <a:rPr lang="en-US" sz="1100" dirty="0"/>
+              <a:t>  </a:t>
+            </a:r>
+            <a:r>
+              <a:rPr lang="en-US" sz="1100" dirty="0" err="1"/>
+              <a:t>khoản</a:t>
+            </a:r>
+            <a:r>
+              <a:rPr lang="en-US" sz="1100" dirty="0"/>
+              <a:t> </a:t>
+            </a:r>
+            <a:r>
+              <a:rPr lang="en-US" sz="1100" dirty="0" err="1"/>
+              <a:t>giao</a:t>
+            </a:r>
+            <a:r>
+              <a:rPr lang="en-US" sz="1100" dirty="0"/>
+              <a:t> </a:t>
+            </a:r>
+            <a:r>
+              <a:rPr lang="en-US" sz="1100" dirty="0" err="1"/>
+              <a:t>dịch</a:t>
+            </a:r>
+            <a:r>
+              <a:rPr lang="en-US" sz="1100" dirty="0"/>
+              <a:t> </a:t>
+            </a:r>
+            <a:r>
+              <a:rPr lang="en-US" sz="1100" dirty="0" err="1"/>
+              <a:t>theo</a:t>
+            </a:r>
+            <a:r>
+              <a:rPr lang="en-US" sz="1100" dirty="0"/>
+              <a:t> h</a:t>
+            </a:r>
+            <a:r>
+              <a:rPr lang="vi-VN" sz="1100" dirty="0"/>
               <a:t>ư</a:t>
             </a:r>
             <a:r>
-              <a:rPr lang="en-US" sz="1100"/>
-              <a:t>ớng dẫn sau:</a:t>
-            </a:r>
-          </a:p>
-          <a:p>
-            <a:r>
-              <a:rPr lang="en-US" sz="1100" b="1"/>
+              <a:rPr lang="en-US" sz="1100" dirty="0" err="1"/>
+              <a:t>ớng</a:t>
+            </a:r>
+            <a:r>
+              <a:rPr lang="en-US" sz="1100" dirty="0"/>
+              <a:t> </a:t>
+            </a:r>
+            <a:r>
+              <a:rPr lang="en-US" sz="1100" dirty="0" err="1"/>
+              <a:t>dẫn</a:t>
+            </a:r>
+            <a:r>
+              <a:rPr lang="en-US" sz="1100" dirty="0"/>
+              <a:t> </a:t>
+            </a:r>
+            <a:r>
+              <a:rPr lang="en-US" sz="1100" dirty="0" err="1"/>
+              <a:t>sau</a:t>
+            </a:r>
+            <a:r>
+              <a:rPr lang="en-US" sz="1100" dirty="0"/>
+              <a:t>:</a:t>
+            </a:r>
+          </a:p>
+          <a:p>
+            <a:r>
+              <a:rPr lang="en-US" sz="1100" b="1" dirty="0"/>
               <a:t>L</a:t>
             </a:r>
             <a:r>
-              <a:rPr lang="vi-VN" sz="1100" b="1"/>
+              <a:rPr lang="vi-VN" sz="1100" b="1" dirty="0"/>
               <a:t>ư</a:t>
             </a:r>
             <a:r>
-              <a:rPr lang="en-US" sz="1100" b="1"/>
-              <a:t>u ý quan trọng: </a:t>
-            </a:r>
-            <a:r>
-              <a:rPr lang="en-US" sz="1100"/>
-              <a:t>Địa chỉ nhập trên eToro phải là địa chỉ trên bằng lái xe (Nếu không có bằng lái thì có thể ra ngân hang nạp tiền vào tài khoản ngân hàng của bạn và ghi địa chỉ trên giấy nạp tiền, Chụp lại sau khi đã có mộc đỏ của ngân hang, up lên eToro để xác minh địa chỉ).</a:t>
-            </a:r>
-          </a:p>
-          <a:p>
-            <a:r>
-              <a:rPr lang="en-US" sz="1100"/>
-              <a:t>Bời vì b</a:t>
-            </a:r>
-            <a:r>
-              <a:rPr lang="vi-VN" sz="1100"/>
+              <a:rPr lang="en-US" sz="1100" b="1" dirty="0"/>
+              <a:t>u ý </a:t>
+            </a:r>
+            <a:r>
+              <a:rPr lang="en-US" sz="1100" b="1" dirty="0" err="1"/>
+              <a:t>quan</a:t>
+            </a:r>
+            <a:r>
+              <a:rPr lang="en-US" sz="1100" b="1" dirty="0"/>
+              <a:t> </a:t>
+            </a:r>
+            <a:r>
+              <a:rPr lang="en-US" sz="1100" b="1" dirty="0" err="1"/>
+              <a:t>trọng</a:t>
+            </a:r>
+            <a:r>
+              <a:rPr lang="en-US" sz="1100" b="1" dirty="0"/>
+              <a:t>: </a:t>
+            </a:r>
+            <a:r>
+              <a:rPr lang="en-US" sz="1100" dirty="0" err="1"/>
+              <a:t>Địa</a:t>
+            </a:r>
+            <a:r>
+              <a:rPr lang="en-US" sz="1100" dirty="0"/>
+              <a:t> </a:t>
+            </a:r>
+            <a:r>
+              <a:rPr lang="en-US" sz="1100" dirty="0" err="1"/>
+              <a:t>chỉ</a:t>
+            </a:r>
+            <a:r>
+              <a:rPr lang="en-US" sz="1100" dirty="0"/>
+              <a:t> </a:t>
+            </a:r>
+            <a:r>
+              <a:rPr lang="en-US" sz="1100" dirty="0" err="1"/>
+              <a:t>nhập</a:t>
+            </a:r>
+            <a:r>
+              <a:rPr lang="en-US" sz="1100" dirty="0"/>
+              <a:t> </a:t>
+            </a:r>
+            <a:r>
+              <a:rPr lang="en-US" sz="1100" dirty="0" err="1"/>
+              <a:t>trên</a:t>
+            </a:r>
+            <a:r>
+              <a:rPr lang="en-US" sz="1100" dirty="0"/>
+              <a:t> </a:t>
+            </a:r>
+            <a:r>
+              <a:rPr lang="en-US" sz="1100" dirty="0" err="1"/>
+              <a:t>eToro</a:t>
+            </a:r>
+            <a:r>
+              <a:rPr lang="en-US" sz="1100" dirty="0"/>
+              <a:t> </a:t>
+            </a:r>
+            <a:r>
+              <a:rPr lang="en-US" sz="1100" dirty="0" err="1"/>
+              <a:t>phải</a:t>
+            </a:r>
+            <a:r>
+              <a:rPr lang="en-US" sz="1100" dirty="0"/>
+              <a:t> </a:t>
+            </a:r>
+            <a:r>
+              <a:rPr lang="en-US" sz="1100" dirty="0" err="1"/>
+              <a:t>là</a:t>
+            </a:r>
+            <a:r>
+              <a:rPr lang="en-US" sz="1100" dirty="0"/>
+              <a:t> </a:t>
+            </a:r>
+            <a:r>
+              <a:rPr lang="en-US" sz="1100" dirty="0" err="1"/>
+              <a:t>địa</a:t>
+            </a:r>
+            <a:r>
+              <a:rPr lang="en-US" sz="1100" dirty="0"/>
+              <a:t> </a:t>
+            </a:r>
+            <a:r>
+              <a:rPr lang="en-US" sz="1100" dirty="0" err="1"/>
+              <a:t>chỉ</a:t>
+            </a:r>
+            <a:r>
+              <a:rPr lang="en-US" sz="1100" dirty="0"/>
+              <a:t> </a:t>
+            </a:r>
+            <a:r>
+              <a:rPr lang="en-US" sz="1100" dirty="0" err="1"/>
+              <a:t>trên</a:t>
+            </a:r>
+            <a:r>
+              <a:rPr lang="en-US" sz="1100" dirty="0"/>
+              <a:t> </a:t>
+            </a:r>
+            <a:r>
+              <a:rPr lang="en-US" sz="1100" dirty="0" err="1"/>
+              <a:t>bằng</a:t>
+            </a:r>
+            <a:r>
+              <a:rPr lang="en-US" sz="1100" dirty="0"/>
+              <a:t> </a:t>
+            </a:r>
+            <a:r>
+              <a:rPr lang="en-US" sz="1100" dirty="0" err="1"/>
+              <a:t>lái</a:t>
+            </a:r>
+            <a:r>
+              <a:rPr lang="en-US" sz="1100" dirty="0"/>
+              <a:t> </a:t>
+            </a:r>
+            <a:r>
+              <a:rPr lang="en-US" sz="1100" dirty="0" err="1"/>
+              <a:t>xe</a:t>
+            </a:r>
+            <a:r>
+              <a:rPr lang="en-US" sz="1100" dirty="0"/>
+              <a:t> (</a:t>
+            </a:r>
+            <a:r>
+              <a:rPr lang="en-US" sz="1100" dirty="0" err="1"/>
+              <a:t>Nếu</a:t>
+            </a:r>
+            <a:r>
+              <a:rPr lang="en-US" sz="1100" dirty="0"/>
+              <a:t> </a:t>
+            </a:r>
+            <a:r>
+              <a:rPr lang="en-US" sz="1100" dirty="0" err="1"/>
+              <a:t>không</a:t>
+            </a:r>
+            <a:r>
+              <a:rPr lang="en-US" sz="1100" dirty="0"/>
+              <a:t> </a:t>
+            </a:r>
+            <a:r>
+              <a:rPr lang="en-US" sz="1100" dirty="0" err="1"/>
+              <a:t>có</a:t>
+            </a:r>
+            <a:r>
+              <a:rPr lang="en-US" sz="1100" dirty="0"/>
+              <a:t> </a:t>
+            </a:r>
+            <a:r>
+              <a:rPr lang="en-US" sz="1100" dirty="0" err="1"/>
+              <a:t>bằng</a:t>
+            </a:r>
+            <a:r>
+              <a:rPr lang="en-US" sz="1100" dirty="0"/>
+              <a:t> </a:t>
+            </a:r>
+            <a:r>
+              <a:rPr lang="en-US" sz="1100" dirty="0" err="1"/>
+              <a:t>lái</a:t>
+            </a:r>
+            <a:r>
+              <a:rPr lang="en-US" sz="1100" dirty="0"/>
+              <a:t> </a:t>
+            </a:r>
+            <a:r>
+              <a:rPr lang="en-US" sz="1100" dirty="0" err="1"/>
+              <a:t>thì</a:t>
+            </a:r>
+            <a:r>
+              <a:rPr lang="en-US" sz="1100" dirty="0"/>
+              <a:t> </a:t>
+            </a:r>
+            <a:r>
+              <a:rPr lang="en-US" sz="1100" dirty="0" err="1"/>
+              <a:t>có</a:t>
+            </a:r>
+            <a:r>
+              <a:rPr lang="en-US" sz="1100" dirty="0"/>
+              <a:t> </a:t>
+            </a:r>
+            <a:r>
+              <a:rPr lang="en-US" sz="1100" dirty="0" err="1"/>
+              <a:t>thể</a:t>
+            </a:r>
+            <a:r>
+              <a:rPr lang="en-US" sz="1100" dirty="0"/>
+              <a:t> ra </a:t>
+            </a:r>
+            <a:r>
+              <a:rPr lang="en-US" sz="1100" dirty="0" err="1"/>
+              <a:t>ngân</a:t>
+            </a:r>
+            <a:r>
+              <a:rPr lang="en-US" sz="1100" dirty="0"/>
+              <a:t> hang </a:t>
+            </a:r>
+            <a:r>
+              <a:rPr lang="en-US" sz="1100" dirty="0" err="1"/>
+              <a:t>nạp</a:t>
+            </a:r>
+            <a:r>
+              <a:rPr lang="en-US" sz="1100" dirty="0"/>
+              <a:t> </a:t>
+            </a:r>
+            <a:r>
+              <a:rPr lang="en-US" sz="1100" dirty="0" err="1"/>
+              <a:t>tiền</a:t>
+            </a:r>
+            <a:r>
+              <a:rPr lang="en-US" sz="1100" dirty="0"/>
+              <a:t> </a:t>
+            </a:r>
+            <a:r>
+              <a:rPr lang="en-US" sz="1100" dirty="0" err="1"/>
+              <a:t>vào</a:t>
+            </a:r>
+            <a:r>
+              <a:rPr lang="en-US" sz="1100" dirty="0"/>
+              <a:t> </a:t>
+            </a:r>
+            <a:r>
+              <a:rPr lang="en-US" sz="1100" dirty="0" err="1"/>
+              <a:t>tài</a:t>
+            </a:r>
+            <a:r>
+              <a:rPr lang="en-US" sz="1100" dirty="0"/>
+              <a:t> </a:t>
+            </a:r>
+            <a:r>
+              <a:rPr lang="en-US" sz="1100" dirty="0" err="1"/>
+              <a:t>khoản</a:t>
+            </a:r>
+            <a:r>
+              <a:rPr lang="en-US" sz="1100" dirty="0"/>
+              <a:t> </a:t>
+            </a:r>
+            <a:r>
+              <a:rPr lang="en-US" sz="1100" dirty="0" err="1"/>
+              <a:t>ngân</a:t>
+            </a:r>
+            <a:r>
+              <a:rPr lang="en-US" sz="1100" dirty="0"/>
+              <a:t> </a:t>
+            </a:r>
+            <a:r>
+              <a:rPr lang="en-US" sz="1100" dirty="0" err="1"/>
+              <a:t>hàng</a:t>
+            </a:r>
+            <a:r>
+              <a:rPr lang="en-US" sz="1100" dirty="0"/>
+              <a:t> </a:t>
+            </a:r>
+            <a:r>
+              <a:rPr lang="en-US" sz="1100" dirty="0" err="1"/>
+              <a:t>của</a:t>
+            </a:r>
+            <a:r>
+              <a:rPr lang="en-US" sz="1100" dirty="0"/>
+              <a:t> </a:t>
+            </a:r>
+            <a:r>
+              <a:rPr lang="en-US" sz="1100" dirty="0" err="1"/>
+              <a:t>bạn</a:t>
+            </a:r>
+            <a:r>
+              <a:rPr lang="en-US" sz="1100" dirty="0"/>
+              <a:t> </a:t>
+            </a:r>
+            <a:r>
+              <a:rPr lang="en-US" sz="1100" dirty="0" err="1"/>
+              <a:t>và</a:t>
+            </a:r>
+            <a:r>
+              <a:rPr lang="en-US" sz="1100" dirty="0"/>
+              <a:t> </a:t>
+            </a:r>
+            <a:r>
+              <a:rPr lang="en-US" sz="1100" dirty="0" err="1"/>
+              <a:t>ghi</a:t>
+            </a:r>
+            <a:r>
+              <a:rPr lang="en-US" sz="1100" dirty="0"/>
+              <a:t> </a:t>
+            </a:r>
+            <a:r>
+              <a:rPr lang="en-US" sz="1100" dirty="0" err="1"/>
+              <a:t>địa</a:t>
+            </a:r>
+            <a:r>
+              <a:rPr lang="en-US" sz="1100" dirty="0"/>
+              <a:t> </a:t>
+            </a:r>
+            <a:r>
+              <a:rPr lang="en-US" sz="1100" dirty="0" err="1"/>
+              <a:t>chỉ</a:t>
+            </a:r>
+            <a:r>
+              <a:rPr lang="en-US" sz="1100" dirty="0"/>
+              <a:t> </a:t>
+            </a:r>
+            <a:r>
+              <a:rPr lang="en-US" sz="1100" dirty="0" err="1"/>
+              <a:t>trên</a:t>
+            </a:r>
+            <a:r>
+              <a:rPr lang="en-US" sz="1100" dirty="0"/>
+              <a:t> </a:t>
+            </a:r>
+            <a:r>
+              <a:rPr lang="en-US" sz="1100" dirty="0" err="1"/>
+              <a:t>giấy</a:t>
+            </a:r>
+            <a:r>
+              <a:rPr lang="en-US" sz="1100" dirty="0"/>
+              <a:t> </a:t>
+            </a:r>
+            <a:r>
+              <a:rPr lang="en-US" sz="1100" dirty="0" err="1"/>
+              <a:t>nạp</a:t>
+            </a:r>
+            <a:r>
+              <a:rPr lang="en-US" sz="1100" dirty="0"/>
+              <a:t> </a:t>
+            </a:r>
+            <a:r>
+              <a:rPr lang="en-US" sz="1100" dirty="0" err="1"/>
+              <a:t>tiền</a:t>
+            </a:r>
+            <a:r>
+              <a:rPr lang="en-US" sz="1100" dirty="0"/>
+              <a:t>, </a:t>
+            </a:r>
+            <a:r>
+              <a:rPr lang="en-US" sz="1100" dirty="0" err="1"/>
+              <a:t>Chụp</a:t>
+            </a:r>
+            <a:r>
+              <a:rPr lang="en-US" sz="1100" dirty="0"/>
+              <a:t> </a:t>
+            </a:r>
+            <a:r>
+              <a:rPr lang="en-US" sz="1100" dirty="0" err="1"/>
+              <a:t>lại</a:t>
+            </a:r>
+            <a:r>
+              <a:rPr lang="en-US" sz="1100" dirty="0"/>
+              <a:t> </a:t>
+            </a:r>
+            <a:r>
+              <a:rPr lang="en-US" sz="1100" dirty="0" err="1"/>
+              <a:t>sau</a:t>
+            </a:r>
+            <a:r>
+              <a:rPr lang="en-US" sz="1100" dirty="0"/>
+              <a:t> </a:t>
+            </a:r>
+            <a:r>
+              <a:rPr lang="en-US" sz="1100" dirty="0" err="1"/>
+              <a:t>khi</a:t>
+            </a:r>
+            <a:r>
+              <a:rPr lang="en-US" sz="1100" dirty="0"/>
+              <a:t> </a:t>
+            </a:r>
+            <a:r>
+              <a:rPr lang="en-US" sz="1100" dirty="0" err="1"/>
+              <a:t>đã</a:t>
+            </a:r>
+            <a:r>
+              <a:rPr lang="en-US" sz="1100" dirty="0"/>
+              <a:t> </a:t>
+            </a:r>
+            <a:r>
+              <a:rPr lang="en-US" sz="1100" dirty="0" err="1"/>
+              <a:t>có</a:t>
+            </a:r>
+            <a:r>
+              <a:rPr lang="en-US" sz="1100" dirty="0"/>
+              <a:t> </a:t>
+            </a:r>
+            <a:r>
+              <a:rPr lang="en-US" sz="1100" dirty="0" err="1"/>
+              <a:t>mộc</a:t>
+            </a:r>
+            <a:r>
+              <a:rPr lang="en-US" sz="1100" dirty="0"/>
+              <a:t> </a:t>
+            </a:r>
+            <a:r>
+              <a:rPr lang="en-US" sz="1100" dirty="0" err="1"/>
+              <a:t>đỏ</a:t>
+            </a:r>
+            <a:r>
+              <a:rPr lang="en-US" sz="1100" dirty="0"/>
+              <a:t> </a:t>
+            </a:r>
+            <a:r>
+              <a:rPr lang="en-US" sz="1100" dirty="0" err="1"/>
+              <a:t>của</a:t>
+            </a:r>
+            <a:r>
+              <a:rPr lang="en-US" sz="1100" dirty="0"/>
+              <a:t> </a:t>
+            </a:r>
+            <a:r>
+              <a:rPr lang="en-US" sz="1100" dirty="0" err="1"/>
+              <a:t>ngân</a:t>
+            </a:r>
+            <a:r>
+              <a:rPr lang="en-US" sz="1100" dirty="0"/>
+              <a:t> hang, up </a:t>
+            </a:r>
+            <a:r>
+              <a:rPr lang="en-US" sz="1100" dirty="0" err="1"/>
+              <a:t>lên</a:t>
+            </a:r>
+            <a:r>
+              <a:rPr lang="en-US" sz="1100" dirty="0"/>
+              <a:t> </a:t>
+            </a:r>
+            <a:r>
+              <a:rPr lang="en-US" sz="1100" dirty="0" err="1"/>
+              <a:t>eToro</a:t>
+            </a:r>
+            <a:r>
+              <a:rPr lang="en-US" sz="1100" dirty="0"/>
+              <a:t> </a:t>
+            </a:r>
+            <a:r>
+              <a:rPr lang="en-US" sz="1100" dirty="0" err="1"/>
+              <a:t>để</a:t>
+            </a:r>
+            <a:r>
+              <a:rPr lang="en-US" sz="1100" dirty="0"/>
+              <a:t> </a:t>
+            </a:r>
+            <a:r>
+              <a:rPr lang="en-US" sz="1100" dirty="0" err="1"/>
+              <a:t>xác</a:t>
+            </a:r>
+            <a:r>
+              <a:rPr lang="en-US" sz="1100" dirty="0"/>
+              <a:t> </a:t>
+            </a:r>
+            <a:r>
+              <a:rPr lang="en-US" sz="1100" dirty="0" err="1"/>
+              <a:t>minh</a:t>
+            </a:r>
+            <a:r>
+              <a:rPr lang="en-US" sz="1100" dirty="0"/>
+              <a:t> </a:t>
+            </a:r>
+            <a:r>
+              <a:rPr lang="en-US" sz="1100" dirty="0" err="1"/>
+              <a:t>địa</a:t>
+            </a:r>
+            <a:r>
+              <a:rPr lang="en-US" sz="1100" dirty="0"/>
+              <a:t> </a:t>
+            </a:r>
+            <a:r>
+              <a:rPr lang="en-US" sz="1100" dirty="0" err="1"/>
+              <a:t>chỉ</a:t>
+            </a:r>
+            <a:r>
+              <a:rPr lang="en-US" sz="1100" dirty="0"/>
+              <a:t>).</a:t>
+            </a:r>
+          </a:p>
+          <a:p>
+            <a:r>
+              <a:rPr lang="en-US" sz="1100" dirty="0" err="1"/>
+              <a:t>Bời</a:t>
+            </a:r>
+            <a:r>
+              <a:rPr lang="en-US" sz="1100" dirty="0"/>
+              <a:t> </a:t>
+            </a:r>
+            <a:r>
+              <a:rPr lang="en-US" sz="1100" dirty="0" err="1"/>
+              <a:t>vì</a:t>
+            </a:r>
+            <a:r>
+              <a:rPr lang="en-US" sz="1100" dirty="0"/>
+              <a:t> b</a:t>
+            </a:r>
+            <a:r>
+              <a:rPr lang="vi-VN" sz="1100" dirty="0"/>
               <a:t>ư</a:t>
             </a:r>
             <a:r>
-              <a:rPr lang="en-US" sz="1100"/>
-              <a:t>ớc nhập địa chỉ ở phần đầu, các bạn hay nhập địa chỉ trên CMND dẫn đến tk lâu xác minh hoặc ko đ</a:t>
-            </a:r>
-            <a:r>
-              <a:rPr lang="vi-VN" sz="1100"/>
+              <a:rPr lang="en-US" sz="1100" dirty="0" err="1"/>
+              <a:t>ớc</a:t>
+            </a:r>
+            <a:r>
+              <a:rPr lang="en-US" sz="1100" dirty="0"/>
+              <a:t> </a:t>
+            </a:r>
+            <a:r>
+              <a:rPr lang="en-US" sz="1100" dirty="0" err="1"/>
+              <a:t>nhập</a:t>
+            </a:r>
+            <a:r>
+              <a:rPr lang="en-US" sz="1100" dirty="0"/>
+              <a:t> </a:t>
+            </a:r>
+            <a:r>
+              <a:rPr lang="en-US" sz="1100" dirty="0" err="1"/>
+              <a:t>địa</a:t>
+            </a:r>
+            <a:r>
+              <a:rPr lang="en-US" sz="1100" dirty="0"/>
+              <a:t> </a:t>
+            </a:r>
+            <a:r>
+              <a:rPr lang="en-US" sz="1100" dirty="0" err="1"/>
+              <a:t>chỉ</a:t>
+            </a:r>
+            <a:r>
+              <a:rPr lang="en-US" sz="1100" dirty="0"/>
+              <a:t> ở </a:t>
+            </a:r>
+            <a:r>
+              <a:rPr lang="en-US" sz="1100" dirty="0" err="1"/>
+              <a:t>phần</a:t>
+            </a:r>
+            <a:r>
+              <a:rPr lang="en-US" sz="1100" dirty="0"/>
+              <a:t> </a:t>
+            </a:r>
+            <a:r>
+              <a:rPr lang="en-US" sz="1100" dirty="0" err="1"/>
+              <a:t>đầu</a:t>
+            </a:r>
+            <a:r>
+              <a:rPr lang="en-US" sz="1100" dirty="0"/>
+              <a:t>, </a:t>
+            </a:r>
+            <a:r>
+              <a:rPr lang="en-US" sz="1100" dirty="0" err="1"/>
+              <a:t>các</a:t>
+            </a:r>
+            <a:r>
+              <a:rPr lang="en-US" sz="1100" dirty="0"/>
+              <a:t> </a:t>
+            </a:r>
+            <a:r>
+              <a:rPr lang="en-US" sz="1100" dirty="0" err="1"/>
+              <a:t>bạn</a:t>
+            </a:r>
+            <a:r>
+              <a:rPr lang="en-US" sz="1100" dirty="0"/>
+              <a:t> hay </a:t>
+            </a:r>
+            <a:r>
+              <a:rPr lang="en-US" sz="1100" dirty="0" err="1"/>
+              <a:t>nhập</a:t>
+            </a:r>
+            <a:r>
+              <a:rPr lang="en-US" sz="1100" dirty="0"/>
+              <a:t> </a:t>
+            </a:r>
+            <a:r>
+              <a:rPr lang="en-US" sz="1100" dirty="0" err="1"/>
+              <a:t>địa</a:t>
+            </a:r>
+            <a:r>
+              <a:rPr lang="en-US" sz="1100" dirty="0"/>
+              <a:t> </a:t>
+            </a:r>
+            <a:r>
+              <a:rPr lang="en-US" sz="1100" dirty="0" err="1"/>
+              <a:t>chỉ</a:t>
+            </a:r>
+            <a:r>
+              <a:rPr lang="en-US" sz="1100" dirty="0"/>
+              <a:t> </a:t>
+            </a:r>
+            <a:r>
+              <a:rPr lang="en-US" sz="1100" dirty="0" err="1"/>
+              <a:t>trên</a:t>
+            </a:r>
+            <a:r>
+              <a:rPr lang="en-US" sz="1100" dirty="0"/>
+              <a:t> CMND </a:t>
+            </a:r>
+            <a:r>
+              <a:rPr lang="en-US" sz="1100" dirty="0" err="1"/>
+              <a:t>dẫn</a:t>
+            </a:r>
+            <a:r>
+              <a:rPr lang="en-US" sz="1100" dirty="0"/>
+              <a:t> </a:t>
+            </a:r>
+            <a:r>
+              <a:rPr lang="en-US" sz="1100" dirty="0" err="1"/>
+              <a:t>đến</a:t>
+            </a:r>
+            <a:r>
+              <a:rPr lang="en-US" sz="1100" dirty="0"/>
+              <a:t> </a:t>
+            </a:r>
+            <a:r>
+              <a:rPr lang="en-US" sz="1100" dirty="0" err="1"/>
+              <a:t>tk</a:t>
+            </a:r>
+            <a:r>
+              <a:rPr lang="en-US" sz="1100" dirty="0"/>
+              <a:t> </a:t>
+            </a:r>
+            <a:r>
+              <a:rPr lang="en-US" sz="1100" dirty="0" err="1"/>
+              <a:t>lâu</a:t>
+            </a:r>
+            <a:r>
+              <a:rPr lang="en-US" sz="1100" dirty="0"/>
+              <a:t> </a:t>
+            </a:r>
+            <a:r>
+              <a:rPr lang="en-US" sz="1100" dirty="0" err="1"/>
+              <a:t>xác</a:t>
+            </a:r>
+            <a:r>
+              <a:rPr lang="en-US" sz="1100" dirty="0"/>
+              <a:t> </a:t>
+            </a:r>
+            <a:r>
+              <a:rPr lang="en-US" sz="1100" dirty="0" err="1"/>
+              <a:t>minh</a:t>
+            </a:r>
+            <a:r>
+              <a:rPr lang="en-US" sz="1100" dirty="0"/>
+              <a:t> </a:t>
+            </a:r>
+            <a:r>
+              <a:rPr lang="en-US" sz="1100" dirty="0" err="1"/>
+              <a:t>hoặc</a:t>
+            </a:r>
+            <a:r>
+              <a:rPr lang="en-US" sz="1100" dirty="0"/>
+              <a:t> ko đ</a:t>
+            </a:r>
+            <a:r>
+              <a:rPr lang="vi-VN" sz="1100" dirty="0"/>
               <a:t>ư</a:t>
             </a:r>
             <a:r>
-              <a:rPr lang="en-US" sz="1100"/>
-              <a:t>ợc xác minh. Nhắc lại ko nhập địa chỉ trên CMND mà nhập địa chỉ trên bằng lái xe hoặc giấy tờ mà bạn sẽ dùng để xác minh địa chỉ)</a:t>
-            </a:r>
-          </a:p>
-          <a:p>
-            <a:r>
-              <a:rPr lang="en-US" sz="1100">
+              <a:rPr lang="en-US" sz="1100" dirty="0" err="1"/>
+              <a:t>ợc</a:t>
+            </a:r>
+            <a:r>
+              <a:rPr lang="en-US" sz="1100" dirty="0"/>
+              <a:t> </a:t>
+            </a:r>
+            <a:r>
+              <a:rPr lang="en-US" sz="1100" dirty="0" err="1"/>
+              <a:t>xác</a:t>
+            </a:r>
+            <a:r>
+              <a:rPr lang="en-US" sz="1100" dirty="0"/>
+              <a:t> </a:t>
+            </a:r>
+            <a:r>
+              <a:rPr lang="en-US" sz="1100" dirty="0" err="1"/>
+              <a:t>minh</a:t>
+            </a:r>
+            <a:r>
+              <a:rPr lang="en-US" sz="1100" dirty="0"/>
+              <a:t>. </a:t>
+            </a:r>
+            <a:r>
+              <a:rPr lang="en-US" sz="1100" dirty="0" err="1"/>
+              <a:t>Nhắc</a:t>
+            </a:r>
+            <a:r>
+              <a:rPr lang="en-US" sz="1100" dirty="0"/>
+              <a:t> </a:t>
+            </a:r>
+            <a:r>
+              <a:rPr lang="en-US" sz="1100" dirty="0" err="1"/>
+              <a:t>lại</a:t>
+            </a:r>
+            <a:r>
+              <a:rPr lang="en-US" sz="1100" dirty="0"/>
+              <a:t> ko </a:t>
+            </a:r>
+            <a:r>
+              <a:rPr lang="en-US" sz="1100" dirty="0" err="1"/>
+              <a:t>nhập</a:t>
+            </a:r>
+            <a:r>
+              <a:rPr lang="en-US" sz="1100" dirty="0"/>
+              <a:t> </a:t>
+            </a:r>
+            <a:r>
+              <a:rPr lang="en-US" sz="1100" dirty="0" err="1"/>
+              <a:t>địa</a:t>
+            </a:r>
+            <a:r>
+              <a:rPr lang="en-US" sz="1100" dirty="0"/>
+              <a:t> </a:t>
+            </a:r>
+            <a:r>
+              <a:rPr lang="en-US" sz="1100" dirty="0" err="1"/>
+              <a:t>chỉ</a:t>
+            </a:r>
+            <a:r>
+              <a:rPr lang="en-US" sz="1100" dirty="0"/>
+              <a:t> </a:t>
+            </a:r>
+            <a:r>
+              <a:rPr lang="en-US" sz="1100" dirty="0" err="1"/>
+              <a:t>trên</a:t>
+            </a:r>
+            <a:r>
+              <a:rPr lang="en-US" sz="1100" dirty="0"/>
+              <a:t> CMND </a:t>
+            </a:r>
+            <a:r>
+              <a:rPr lang="en-US" sz="1100" dirty="0" err="1"/>
+              <a:t>mà</a:t>
+            </a:r>
+            <a:r>
+              <a:rPr lang="en-US" sz="1100" dirty="0"/>
+              <a:t> </a:t>
+            </a:r>
+            <a:r>
+              <a:rPr lang="en-US" sz="1100" dirty="0" err="1"/>
+              <a:t>nhập</a:t>
+            </a:r>
+            <a:r>
+              <a:rPr lang="en-US" sz="1100" dirty="0"/>
+              <a:t> </a:t>
+            </a:r>
+            <a:r>
+              <a:rPr lang="en-US" sz="1100" dirty="0" err="1"/>
+              <a:t>địa</a:t>
+            </a:r>
+            <a:r>
+              <a:rPr lang="en-US" sz="1100" dirty="0"/>
+              <a:t> </a:t>
+            </a:r>
+            <a:r>
+              <a:rPr lang="en-US" sz="1100" dirty="0" err="1"/>
+              <a:t>chỉ</a:t>
+            </a:r>
+            <a:r>
+              <a:rPr lang="en-US" sz="1100" dirty="0"/>
+              <a:t> </a:t>
+            </a:r>
+            <a:r>
+              <a:rPr lang="en-US" sz="1100" dirty="0" err="1"/>
+              <a:t>trên</a:t>
+            </a:r>
+            <a:r>
+              <a:rPr lang="en-US" sz="1100" dirty="0"/>
+              <a:t> </a:t>
+            </a:r>
+            <a:r>
+              <a:rPr lang="en-US" sz="1100" dirty="0" err="1"/>
+              <a:t>bằng</a:t>
+            </a:r>
+            <a:r>
+              <a:rPr lang="en-US" sz="1100" dirty="0"/>
+              <a:t> </a:t>
+            </a:r>
+            <a:r>
+              <a:rPr lang="en-US" sz="1100" dirty="0" err="1"/>
+              <a:t>lái</a:t>
+            </a:r>
+            <a:r>
+              <a:rPr lang="en-US" sz="1100" dirty="0"/>
+              <a:t> </a:t>
+            </a:r>
+            <a:r>
+              <a:rPr lang="en-US" sz="1100" dirty="0" err="1"/>
+              <a:t>xe</a:t>
+            </a:r>
+            <a:r>
+              <a:rPr lang="en-US" sz="1100" dirty="0"/>
+              <a:t> </a:t>
+            </a:r>
+            <a:r>
+              <a:rPr lang="en-US" sz="1100" dirty="0" err="1"/>
+              <a:t>hoặc</a:t>
+            </a:r>
+            <a:r>
+              <a:rPr lang="en-US" sz="1100" dirty="0"/>
+              <a:t> </a:t>
+            </a:r>
+            <a:r>
+              <a:rPr lang="en-US" sz="1100" dirty="0" err="1"/>
+              <a:t>giấy</a:t>
+            </a:r>
+            <a:r>
+              <a:rPr lang="en-US" sz="1100" dirty="0"/>
+              <a:t> </a:t>
+            </a:r>
+            <a:r>
+              <a:rPr lang="en-US" sz="1100" dirty="0" err="1"/>
+              <a:t>tờ</a:t>
+            </a:r>
+            <a:r>
+              <a:rPr lang="en-US" sz="1100" dirty="0"/>
+              <a:t> </a:t>
+            </a:r>
+            <a:r>
+              <a:rPr lang="en-US" sz="1100" dirty="0" err="1"/>
+              <a:t>mà</a:t>
+            </a:r>
+            <a:r>
+              <a:rPr lang="en-US" sz="1100" dirty="0"/>
+              <a:t> </a:t>
+            </a:r>
+            <a:r>
+              <a:rPr lang="en-US" sz="1100" dirty="0" err="1"/>
+              <a:t>bạn</a:t>
+            </a:r>
+            <a:r>
+              <a:rPr lang="en-US" sz="1100" dirty="0"/>
+              <a:t> </a:t>
+            </a:r>
+            <a:r>
+              <a:rPr lang="en-US" sz="1100" dirty="0" err="1"/>
+              <a:t>sẽ</a:t>
+            </a:r>
+            <a:r>
+              <a:rPr lang="en-US" sz="1100" dirty="0"/>
+              <a:t> </a:t>
+            </a:r>
+            <a:r>
+              <a:rPr lang="en-US" sz="1100" dirty="0" err="1"/>
+              <a:t>dùng</a:t>
+            </a:r>
+            <a:r>
+              <a:rPr lang="en-US" sz="1100" dirty="0"/>
+              <a:t> </a:t>
+            </a:r>
+            <a:r>
+              <a:rPr lang="en-US" sz="1100" dirty="0" err="1"/>
+              <a:t>để</a:t>
+            </a:r>
+            <a:r>
+              <a:rPr lang="en-US" sz="1100" dirty="0"/>
+              <a:t> </a:t>
+            </a:r>
+            <a:r>
+              <a:rPr lang="en-US" sz="1100" dirty="0" err="1"/>
+              <a:t>xác</a:t>
+            </a:r>
+            <a:r>
+              <a:rPr lang="en-US" sz="1100" dirty="0"/>
+              <a:t> </a:t>
+            </a:r>
+            <a:r>
+              <a:rPr lang="en-US" sz="1100" dirty="0" err="1"/>
+              <a:t>minh</a:t>
+            </a:r>
+            <a:r>
+              <a:rPr lang="en-US" sz="1100" dirty="0"/>
+              <a:t> </a:t>
+            </a:r>
+            <a:r>
+              <a:rPr lang="en-US" sz="1100" dirty="0" err="1"/>
+              <a:t>địa</a:t>
+            </a:r>
+            <a:r>
+              <a:rPr lang="en-US" sz="1100" dirty="0"/>
+              <a:t> </a:t>
+            </a:r>
+            <a:r>
+              <a:rPr lang="en-US" sz="1100" dirty="0" err="1"/>
+              <a:t>chỉ</a:t>
+            </a:r>
+            <a:r>
+              <a:rPr lang="en-US" sz="1100" dirty="0"/>
+              <a:t>)</a:t>
+            </a:r>
+          </a:p>
+          <a:p>
+            <a:r>
+              <a:rPr lang="en-US" sz="1100" dirty="0">
                 <a:hlinkClick r:id="rId5"/>
               </a:rPr>
               <a:t>https://youtu.be/JvqzYvDWcTs</a:t>
             </a:r>
-            <a:endParaRPr lang="en-US" sz="1100"/>
-          </a:p>
-          <a:p>
-            <a:endParaRPr lang="en-US" sz="1100"/>
-          </a:p>
-          <a:p>
-            <a:r>
-              <a:rPr lang="en-US" sz="1100"/>
-              <a:t>3. Nạp tiền vào tài khoản giao dịch tối thiểu 220$, giao dịch đủ 10$ phí. (1 lệnh Buy EU 100U đòn bẫy x400, hoặc chia nhỏ thành nhiều lệnh)</a:t>
-            </a:r>
-          </a:p>
-          <a:p>
-            <a:endParaRPr lang="en-US" sz="1100"/>
-          </a:p>
-          <a:p>
-            <a:r>
-              <a:rPr lang="en-US" sz="1100"/>
-              <a:t>4. Thanh toán phí Partners</a:t>
-            </a:r>
-          </a:p>
-          <a:p>
-            <a:r>
-              <a:rPr lang="en-US" sz="1100"/>
-              <a:t>Chuyển khoản vào số thẻ sau: L</a:t>
-            </a:r>
-            <a:r>
-              <a:rPr lang="vi-VN" sz="1100"/>
+            <a:endParaRPr lang="en-US" sz="1100" dirty="0"/>
+          </a:p>
+          <a:p>
+            <a:endParaRPr lang="en-US" sz="1100" dirty="0"/>
+          </a:p>
+          <a:p>
+            <a:r>
+              <a:rPr lang="en-US" sz="1100" dirty="0"/>
+              <a:t>3. </a:t>
+            </a:r>
+            <a:r>
+              <a:rPr lang="en-US" sz="1100" dirty="0" err="1"/>
+              <a:t>Nạp</a:t>
+            </a:r>
+            <a:r>
+              <a:rPr lang="en-US" sz="1100" dirty="0"/>
+              <a:t> </a:t>
+            </a:r>
+            <a:r>
+              <a:rPr lang="en-US" sz="1100" dirty="0" err="1"/>
+              <a:t>tiền</a:t>
+            </a:r>
+            <a:r>
+              <a:rPr lang="en-US" sz="1100" dirty="0"/>
+              <a:t> </a:t>
+            </a:r>
+            <a:r>
+              <a:rPr lang="en-US" sz="1100" dirty="0" err="1"/>
+              <a:t>vào</a:t>
+            </a:r>
+            <a:r>
+              <a:rPr lang="en-US" sz="1100" dirty="0"/>
+              <a:t> </a:t>
+            </a:r>
+            <a:r>
+              <a:rPr lang="en-US" sz="1100" dirty="0" err="1"/>
+              <a:t>tài</a:t>
+            </a:r>
+            <a:r>
+              <a:rPr lang="en-US" sz="1100" dirty="0"/>
+              <a:t> </a:t>
+            </a:r>
+            <a:r>
+              <a:rPr lang="en-US" sz="1100" dirty="0" err="1"/>
+              <a:t>khoản</a:t>
+            </a:r>
+            <a:r>
+              <a:rPr lang="en-US" sz="1100" dirty="0"/>
+              <a:t> </a:t>
+            </a:r>
+            <a:r>
+              <a:rPr lang="en-US" sz="1100" dirty="0" err="1"/>
+              <a:t>giao</a:t>
+            </a:r>
+            <a:r>
+              <a:rPr lang="en-US" sz="1100" dirty="0"/>
+              <a:t> </a:t>
+            </a:r>
+            <a:r>
+              <a:rPr lang="en-US" sz="1100" dirty="0" err="1"/>
+              <a:t>dịch</a:t>
+            </a:r>
+            <a:r>
+              <a:rPr lang="en-US" sz="1100" dirty="0"/>
+              <a:t> </a:t>
+            </a:r>
+            <a:r>
+              <a:rPr lang="en-US" sz="1100" dirty="0" err="1"/>
+              <a:t>tối</a:t>
+            </a:r>
+            <a:r>
+              <a:rPr lang="en-US" sz="1100" dirty="0"/>
+              <a:t> </a:t>
+            </a:r>
+            <a:r>
+              <a:rPr lang="en-US" sz="1100" dirty="0" err="1"/>
+              <a:t>thiểu</a:t>
+            </a:r>
+            <a:r>
+              <a:rPr lang="en-US" sz="1100" dirty="0"/>
+              <a:t> 220$, </a:t>
+            </a:r>
+            <a:r>
+              <a:rPr lang="en-US" sz="1100" dirty="0" err="1"/>
+              <a:t>giao</a:t>
+            </a:r>
+            <a:r>
+              <a:rPr lang="en-US" sz="1100" dirty="0"/>
+              <a:t> </a:t>
+            </a:r>
+            <a:r>
+              <a:rPr lang="en-US" sz="1100" dirty="0" err="1"/>
+              <a:t>dịch</a:t>
+            </a:r>
+            <a:r>
+              <a:rPr lang="en-US" sz="1100" dirty="0"/>
+              <a:t> </a:t>
+            </a:r>
+            <a:r>
+              <a:rPr lang="en-US" sz="1100" dirty="0" err="1"/>
+              <a:t>đủ</a:t>
+            </a:r>
+            <a:r>
+              <a:rPr lang="en-US" sz="1100" dirty="0"/>
+              <a:t> 10$ </a:t>
+            </a:r>
+            <a:r>
+              <a:rPr lang="en-US" sz="1100" dirty="0" err="1"/>
+              <a:t>phí</a:t>
+            </a:r>
+            <a:r>
+              <a:rPr lang="en-US" sz="1100" dirty="0"/>
+              <a:t>. (1 </a:t>
+            </a:r>
+            <a:r>
+              <a:rPr lang="en-US" sz="1100" dirty="0" err="1"/>
+              <a:t>lệnh</a:t>
+            </a:r>
+            <a:r>
+              <a:rPr lang="en-US" sz="1100" dirty="0"/>
+              <a:t> Buy EU 100U </a:t>
+            </a:r>
+            <a:r>
+              <a:rPr lang="en-US" sz="1100" dirty="0" err="1"/>
+              <a:t>đòn</a:t>
+            </a:r>
+            <a:r>
+              <a:rPr lang="en-US" sz="1100" dirty="0"/>
+              <a:t> </a:t>
+            </a:r>
+            <a:r>
+              <a:rPr lang="en-US" sz="1100" dirty="0" err="1"/>
+              <a:t>bẫy</a:t>
+            </a:r>
+            <a:r>
+              <a:rPr lang="en-US" sz="1100" dirty="0"/>
+              <a:t> x400, </a:t>
+            </a:r>
+            <a:r>
+              <a:rPr lang="en-US" sz="1100" dirty="0" err="1"/>
+              <a:t>hoặc</a:t>
+            </a:r>
+            <a:r>
+              <a:rPr lang="en-US" sz="1100" dirty="0"/>
+              <a:t> chia </a:t>
+            </a:r>
+            <a:r>
+              <a:rPr lang="en-US" sz="1100" dirty="0" err="1"/>
+              <a:t>nhỏ</a:t>
+            </a:r>
+            <a:r>
+              <a:rPr lang="en-US" sz="1100" dirty="0"/>
+              <a:t> </a:t>
+            </a:r>
+            <a:r>
+              <a:rPr lang="en-US" sz="1100" dirty="0" err="1"/>
+              <a:t>thành</a:t>
+            </a:r>
+            <a:r>
+              <a:rPr lang="en-US" sz="1100" dirty="0"/>
+              <a:t> </a:t>
+            </a:r>
+            <a:r>
+              <a:rPr lang="en-US" sz="1100" dirty="0" err="1"/>
+              <a:t>nhiều</a:t>
+            </a:r>
+            <a:r>
+              <a:rPr lang="en-US" sz="1100" dirty="0"/>
+              <a:t> </a:t>
+            </a:r>
+            <a:r>
+              <a:rPr lang="en-US" sz="1100" dirty="0" err="1"/>
+              <a:t>lệnh</a:t>
+            </a:r>
+            <a:r>
+              <a:rPr lang="en-US" sz="1100" dirty="0"/>
+              <a:t>)</a:t>
+            </a:r>
+          </a:p>
+          <a:p>
+            <a:endParaRPr lang="en-US" sz="1100" dirty="0"/>
+          </a:p>
+          <a:p>
+            <a:r>
+              <a:rPr lang="en-US" sz="1100" dirty="0"/>
+              <a:t>4. Thanh </a:t>
+            </a:r>
+            <a:r>
+              <a:rPr lang="en-US" sz="1100" dirty="0" err="1"/>
+              <a:t>toán</a:t>
+            </a:r>
+            <a:r>
+              <a:rPr lang="en-US" sz="1100" dirty="0"/>
+              <a:t> </a:t>
+            </a:r>
+            <a:r>
+              <a:rPr lang="en-US" sz="1100" dirty="0" err="1"/>
+              <a:t>phí</a:t>
+            </a:r>
+            <a:r>
+              <a:rPr lang="en-US" sz="1100" dirty="0"/>
+              <a:t> Partners</a:t>
+            </a:r>
+          </a:p>
+          <a:p>
+            <a:r>
+              <a:rPr lang="en-US" sz="1100" dirty="0" err="1"/>
+              <a:t>Chuyển</a:t>
+            </a:r>
+            <a:r>
+              <a:rPr lang="en-US" sz="1100" dirty="0"/>
+              <a:t> </a:t>
+            </a:r>
+            <a:r>
+              <a:rPr lang="en-US" sz="1100" dirty="0" err="1"/>
+              <a:t>khoản</a:t>
+            </a:r>
+            <a:r>
+              <a:rPr lang="en-US" sz="1100" dirty="0"/>
+              <a:t> </a:t>
+            </a:r>
+            <a:r>
+              <a:rPr lang="en-US" sz="1100" dirty="0" err="1"/>
+              <a:t>vào</a:t>
+            </a:r>
+            <a:r>
+              <a:rPr lang="en-US" sz="1100" dirty="0"/>
+              <a:t> </a:t>
+            </a:r>
+            <a:r>
+              <a:rPr lang="en-US" sz="1100" dirty="0" err="1"/>
+              <a:t>số</a:t>
+            </a:r>
+            <a:r>
+              <a:rPr lang="en-US" sz="1100" dirty="0"/>
+              <a:t> </a:t>
+            </a:r>
+            <a:r>
+              <a:rPr lang="en-US" sz="1100" dirty="0" err="1"/>
+              <a:t>thẻ</a:t>
+            </a:r>
+            <a:r>
+              <a:rPr lang="en-US" sz="1100" dirty="0"/>
+              <a:t> </a:t>
+            </a:r>
+            <a:r>
+              <a:rPr lang="en-US" sz="1100" dirty="0" err="1"/>
+              <a:t>sau</a:t>
+            </a:r>
+            <a:r>
+              <a:rPr lang="en-US" sz="1100" dirty="0"/>
+              <a:t>: L</a:t>
+            </a:r>
+            <a:r>
+              <a:rPr lang="vi-VN" sz="1100" dirty="0"/>
               <a:t>ư</a:t>
             </a:r>
             <a:r>
-              <a:rPr lang="en-US" sz="1100"/>
-              <a:t>u ý chọn mục chuyển vào số thẻ (không phải số tài khoản)</a:t>
-            </a:r>
-          </a:p>
-          <a:p>
-            <a:r>
-              <a:rPr lang="en-US" sz="1100"/>
+              <a:rPr lang="en-US" sz="1100" dirty="0"/>
+              <a:t>u ý </a:t>
+            </a:r>
+            <a:r>
+              <a:rPr lang="en-US" sz="1100" dirty="0" err="1"/>
+              <a:t>chọn</a:t>
+            </a:r>
+            <a:r>
+              <a:rPr lang="en-US" sz="1100" dirty="0"/>
+              <a:t> </a:t>
+            </a:r>
+            <a:r>
+              <a:rPr lang="en-US" sz="1100" dirty="0" err="1"/>
+              <a:t>mục</a:t>
+            </a:r>
+            <a:r>
+              <a:rPr lang="en-US" sz="1100" dirty="0"/>
+              <a:t> </a:t>
+            </a:r>
+            <a:r>
+              <a:rPr lang="en-US" sz="1100" dirty="0" err="1"/>
+              <a:t>chuyển</a:t>
+            </a:r>
+            <a:r>
+              <a:rPr lang="en-US" sz="1100" dirty="0"/>
+              <a:t> </a:t>
+            </a:r>
+            <a:r>
+              <a:rPr lang="en-US" sz="1100" dirty="0" err="1"/>
+              <a:t>vào</a:t>
+            </a:r>
+            <a:r>
+              <a:rPr lang="en-US" sz="1100" dirty="0"/>
+              <a:t> </a:t>
+            </a:r>
+            <a:r>
+              <a:rPr lang="en-US" sz="1100" dirty="0" err="1"/>
+              <a:t>số</a:t>
+            </a:r>
+            <a:r>
+              <a:rPr lang="en-US" sz="1100" dirty="0"/>
+              <a:t> </a:t>
+            </a:r>
+            <a:r>
+              <a:rPr lang="en-US" sz="1100" dirty="0" err="1"/>
+              <a:t>thẻ</a:t>
+            </a:r>
+            <a:r>
+              <a:rPr lang="en-US" sz="1100" dirty="0"/>
+              <a:t> (</a:t>
+            </a:r>
+            <a:r>
+              <a:rPr lang="en-US" sz="1100" dirty="0" err="1"/>
+              <a:t>không</a:t>
+            </a:r>
+            <a:r>
+              <a:rPr lang="en-US" sz="1100" dirty="0"/>
+              <a:t> </a:t>
+            </a:r>
+            <a:r>
+              <a:rPr lang="en-US" sz="1100" dirty="0" err="1"/>
+              <a:t>phải</a:t>
+            </a:r>
+            <a:r>
+              <a:rPr lang="en-US" sz="1100" dirty="0"/>
+              <a:t> </a:t>
+            </a:r>
+            <a:r>
+              <a:rPr lang="en-US" sz="1100" dirty="0" err="1"/>
+              <a:t>số</a:t>
+            </a:r>
+            <a:r>
+              <a:rPr lang="en-US" sz="1100" dirty="0"/>
+              <a:t> </a:t>
+            </a:r>
+            <a:r>
+              <a:rPr lang="en-US" sz="1100" dirty="0" err="1"/>
+              <a:t>tài</a:t>
+            </a:r>
+            <a:r>
+              <a:rPr lang="en-US" sz="1100" dirty="0"/>
+              <a:t> </a:t>
+            </a:r>
+            <a:r>
+              <a:rPr lang="en-US" sz="1100" dirty="0" err="1"/>
+              <a:t>khoản</a:t>
+            </a:r>
+            <a:r>
+              <a:rPr lang="en-US" sz="1100" dirty="0"/>
+              <a:t>)</a:t>
+            </a:r>
+          </a:p>
+          <a:p>
+            <a:r>
+              <a:rPr lang="en-US" sz="1100" dirty="0"/>
               <a:t>9704229237471649</a:t>
             </a:r>
           </a:p>
           <a:p>
             <a:r>
-              <a:rPr lang="en-US" sz="1100"/>
-              <a:t>Tên chủ thẻ: Huỳnh Ngọc Luận</a:t>
-            </a:r>
-          </a:p>
-          <a:p>
-            <a:r>
-              <a:rPr lang="en-US" sz="1100"/>
-              <a:t>(Ghi chú chuyển tiền: [User name tk partners] + sdt</a:t>
-            </a:r>
-          </a:p>
-          <a:p>
-            <a:r>
-              <a:rPr lang="en-US" sz="1100"/>
-              <a:t>Số tiền: 150$ x tỷ giá 23,000 (3 tháng Partners Vip)</a:t>
-            </a:r>
-          </a:p>
-          <a:p>
-            <a:endParaRPr lang="en-US" sz="1100"/>
-          </a:p>
-          <a:p>
-            <a:r>
-              <a:rPr lang="en-US" sz="1100"/>
-              <a:t>3. Nhập thông tin 2 tài khoản trên vào mục “Đăng ký Vip” và chờ đ</a:t>
-            </a:r>
-            <a:r>
-              <a:rPr lang="vi-VN" sz="1100"/>
+              <a:rPr lang="en-US" sz="1100" dirty="0" err="1"/>
+              <a:t>Tên</a:t>
+            </a:r>
+            <a:r>
+              <a:rPr lang="en-US" sz="1100" dirty="0"/>
+              <a:t> </a:t>
+            </a:r>
+            <a:r>
+              <a:rPr lang="en-US" sz="1100" dirty="0" err="1"/>
+              <a:t>chủ</a:t>
+            </a:r>
+            <a:r>
+              <a:rPr lang="en-US" sz="1100" dirty="0"/>
+              <a:t> </a:t>
+            </a:r>
+            <a:r>
+              <a:rPr lang="en-US" sz="1100" dirty="0" err="1"/>
+              <a:t>thẻ</a:t>
+            </a:r>
+            <a:r>
+              <a:rPr lang="en-US" sz="1100" dirty="0"/>
+              <a:t>: </a:t>
+            </a:r>
+            <a:r>
+              <a:rPr lang="en-US" sz="1100" dirty="0" err="1"/>
+              <a:t>Huỳnh</a:t>
+            </a:r>
+            <a:r>
+              <a:rPr lang="en-US" sz="1100" dirty="0"/>
+              <a:t> </a:t>
+            </a:r>
+            <a:r>
+              <a:rPr lang="en-US" sz="1100" dirty="0" err="1"/>
+              <a:t>Ngọc</a:t>
+            </a:r>
+            <a:r>
+              <a:rPr lang="en-US" sz="1100" dirty="0"/>
+              <a:t> </a:t>
+            </a:r>
+            <a:r>
+              <a:rPr lang="en-US" sz="1100" dirty="0" err="1"/>
+              <a:t>Luận</a:t>
+            </a:r>
+            <a:endParaRPr lang="en-US" sz="1100" dirty="0"/>
+          </a:p>
+          <a:p>
+            <a:r>
+              <a:rPr lang="en-US" sz="1100" dirty="0"/>
+              <a:t>(</a:t>
+            </a:r>
+            <a:r>
+              <a:rPr lang="en-US" sz="1100" dirty="0" err="1"/>
+              <a:t>Ghi</a:t>
+            </a:r>
+            <a:r>
+              <a:rPr lang="en-US" sz="1100" dirty="0"/>
+              <a:t> </a:t>
+            </a:r>
+            <a:r>
+              <a:rPr lang="en-US" sz="1100" dirty="0" err="1"/>
+              <a:t>chú</a:t>
+            </a:r>
+            <a:r>
+              <a:rPr lang="en-US" sz="1100" dirty="0"/>
+              <a:t> </a:t>
+            </a:r>
+            <a:r>
+              <a:rPr lang="en-US" sz="1100" dirty="0" err="1"/>
+              <a:t>chuyển</a:t>
+            </a:r>
+            <a:r>
+              <a:rPr lang="en-US" sz="1100" dirty="0"/>
+              <a:t> </a:t>
+            </a:r>
+            <a:r>
+              <a:rPr lang="en-US" sz="1100" dirty="0" err="1"/>
+              <a:t>tiền</a:t>
+            </a:r>
+            <a:r>
+              <a:rPr lang="en-US" sz="1100" dirty="0"/>
+              <a:t>: [User name </a:t>
+            </a:r>
+            <a:r>
+              <a:rPr lang="en-US" sz="1100" dirty="0" err="1"/>
+              <a:t>tk</a:t>
+            </a:r>
+            <a:r>
+              <a:rPr lang="en-US" sz="1100" dirty="0"/>
+              <a:t> partners] + </a:t>
+            </a:r>
+            <a:r>
+              <a:rPr lang="en-US" sz="1100" dirty="0" err="1"/>
+              <a:t>sdt</a:t>
+            </a:r>
+            <a:endParaRPr lang="en-US" sz="1100" dirty="0"/>
+          </a:p>
+          <a:p>
+            <a:r>
+              <a:rPr lang="en-US" sz="1100" dirty="0" err="1"/>
+              <a:t>Số</a:t>
+            </a:r>
+            <a:r>
+              <a:rPr lang="en-US" sz="1100" dirty="0"/>
+              <a:t> </a:t>
+            </a:r>
+            <a:r>
+              <a:rPr lang="en-US" sz="1100" dirty="0" err="1"/>
+              <a:t>tiền</a:t>
+            </a:r>
+            <a:r>
+              <a:rPr lang="en-US" sz="1100" dirty="0"/>
+              <a:t>: 150$ x </a:t>
+            </a:r>
+            <a:r>
+              <a:rPr lang="en-US" sz="1100" dirty="0" err="1"/>
+              <a:t>tỷ</a:t>
+            </a:r>
+            <a:r>
+              <a:rPr lang="en-US" sz="1100" dirty="0"/>
+              <a:t> </a:t>
+            </a:r>
+            <a:r>
+              <a:rPr lang="en-US" sz="1100" dirty="0" err="1"/>
+              <a:t>giá</a:t>
+            </a:r>
+            <a:r>
+              <a:rPr lang="en-US" sz="1100" dirty="0"/>
+              <a:t> 23,000 (3 </a:t>
+            </a:r>
+            <a:r>
+              <a:rPr lang="en-US" sz="1100" dirty="0" err="1"/>
+              <a:t>tháng</a:t>
+            </a:r>
+            <a:r>
+              <a:rPr lang="en-US" sz="1100" dirty="0"/>
+              <a:t> Partners </a:t>
+            </a:r>
+            <a:r>
+              <a:rPr lang="en-US" sz="1100" dirty="0" err="1"/>
+              <a:t>Vip</a:t>
+            </a:r>
+            <a:r>
+              <a:rPr lang="en-US" sz="1100" dirty="0"/>
+              <a:t>)</a:t>
+            </a:r>
+          </a:p>
+          <a:p>
+            <a:endParaRPr lang="en-US" sz="1100" dirty="0"/>
+          </a:p>
+          <a:p>
+            <a:r>
+              <a:rPr lang="en-US" sz="1100" dirty="0"/>
+              <a:t>3. </a:t>
+            </a:r>
+            <a:r>
+              <a:rPr lang="en-US" sz="1100" dirty="0" err="1"/>
+              <a:t>Nhập</a:t>
+            </a:r>
+            <a:r>
+              <a:rPr lang="en-US" sz="1100" dirty="0"/>
+              <a:t> </a:t>
+            </a:r>
+            <a:r>
+              <a:rPr lang="en-US" sz="1100" dirty="0" err="1"/>
+              <a:t>thông</a:t>
+            </a:r>
+            <a:r>
+              <a:rPr lang="en-US" sz="1100" dirty="0"/>
+              <a:t> tin 2 </a:t>
+            </a:r>
+            <a:r>
+              <a:rPr lang="en-US" sz="1100" dirty="0" err="1"/>
+              <a:t>tài</a:t>
+            </a:r>
+            <a:r>
+              <a:rPr lang="en-US" sz="1100" dirty="0"/>
+              <a:t> </a:t>
+            </a:r>
+            <a:r>
+              <a:rPr lang="en-US" sz="1100" dirty="0" err="1"/>
+              <a:t>khoản</a:t>
+            </a:r>
+            <a:r>
+              <a:rPr lang="en-US" sz="1100" dirty="0"/>
+              <a:t> </a:t>
+            </a:r>
+            <a:r>
+              <a:rPr lang="en-US" sz="1100" dirty="0" err="1"/>
+              <a:t>trên</a:t>
+            </a:r>
+            <a:r>
+              <a:rPr lang="en-US" sz="1100" dirty="0"/>
+              <a:t> </a:t>
+            </a:r>
+            <a:r>
+              <a:rPr lang="en-US" sz="1100" dirty="0" err="1"/>
+              <a:t>vào</a:t>
+            </a:r>
+            <a:r>
+              <a:rPr lang="en-US" sz="1100" dirty="0"/>
+              <a:t> </a:t>
+            </a:r>
+            <a:r>
+              <a:rPr lang="en-US" sz="1100" dirty="0" err="1"/>
+              <a:t>mục</a:t>
+            </a:r>
+            <a:r>
+              <a:rPr lang="en-US" sz="1100" dirty="0"/>
+              <a:t> “</a:t>
+            </a:r>
+            <a:r>
+              <a:rPr lang="en-US" sz="1100" dirty="0" err="1"/>
+              <a:t>Đăng</a:t>
+            </a:r>
+            <a:r>
+              <a:rPr lang="en-US" sz="1100" dirty="0"/>
+              <a:t> </a:t>
+            </a:r>
+            <a:r>
+              <a:rPr lang="en-US" sz="1100" dirty="0" err="1"/>
+              <a:t>ký</a:t>
+            </a:r>
+            <a:r>
+              <a:rPr lang="en-US" sz="1100" dirty="0"/>
+              <a:t> </a:t>
+            </a:r>
+            <a:r>
+              <a:rPr lang="en-US" sz="1100" dirty="0" err="1"/>
+              <a:t>Vip</a:t>
+            </a:r>
+            <a:r>
+              <a:rPr lang="en-US" sz="1100" dirty="0"/>
+              <a:t>” </a:t>
+            </a:r>
+            <a:r>
+              <a:rPr lang="en-US" sz="1100" dirty="0" err="1"/>
+              <a:t>và</a:t>
+            </a:r>
+            <a:r>
+              <a:rPr lang="en-US" sz="1100" dirty="0"/>
+              <a:t> </a:t>
+            </a:r>
+            <a:r>
+              <a:rPr lang="en-US" sz="1100" dirty="0" err="1"/>
+              <a:t>chờ</a:t>
+            </a:r>
+            <a:r>
+              <a:rPr lang="en-US" sz="1100" dirty="0"/>
+              <a:t> đ</a:t>
+            </a:r>
+            <a:r>
+              <a:rPr lang="vi-VN" sz="1100" dirty="0"/>
               <a:t>ư</a:t>
             </a:r>
             <a:r>
-              <a:rPr lang="en-US" sz="1100"/>
-              <a:t>ợc duyệt.</a:t>
+              <a:rPr lang="en-US" sz="1100" dirty="0" err="1"/>
+              <a:t>ợc</a:t>
+            </a:r>
+            <a:r>
+              <a:rPr lang="en-US" sz="1100" dirty="0"/>
+              <a:t> </a:t>
+            </a:r>
+            <a:r>
+              <a:rPr lang="en-US" sz="1100" dirty="0" err="1"/>
+              <a:t>duyệt</a:t>
+            </a:r>
+            <a:r>
+              <a:rPr lang="en-US" sz="1100" dirty="0"/>
+              <a:t>.</a:t>
             </a:r>
           </a:p>
         </p:txBody>
